--- a/Doc/Verteidigung.pptx
+++ b/Doc/Verteidigung.pptx
@@ -49,10 +49,10 @@
     <p:sldId id="318" r:id="rId40"/>
     <p:sldId id="319" r:id="rId41"/>
     <p:sldId id="320" r:id="rId42"/>
-    <p:sldId id="321" r:id="rId43"/>
-    <p:sldId id="323" r:id="rId44"/>
-    <p:sldId id="322" r:id="rId45"/>
-    <p:sldId id="324" r:id="rId46"/>
+    <p:sldId id="325" r:id="rId43"/>
+    <p:sldId id="327" r:id="rId44"/>
+    <p:sldId id="328" r:id="rId45"/>
+    <p:sldId id="326" r:id="rId46"/>
     <p:sldId id="299" r:id="rId47"/>
     <p:sldId id="300" r:id="rId48"/>
     <p:sldId id="302" r:id="rId49"/>
@@ -2820,7 +2820,6 @@
               <a:rPr lang="de-CH" dirty="0"/>
               <a:t>Mira</a:t>
             </a:r>
-            <a:endParaRPr lang="de-CH" dirty="0"/>
           </a:p>
         </p:txBody>
       </p:sp>
@@ -4392,6 +4391,19 @@
           <a:p>
             <a:r>
               <a:rPr lang="de-CH" dirty="0" smtClean="0"/>
+              <a:t>Nachdem ich euch aufgezeigt habe,</a:t>
+            </a:r>
+            <a:r>
+              <a:rPr lang="de-CH" baseline="0" dirty="0" smtClean="0"/>
+              <a:t> was der Aufbau einer solchen Ontologie beinhaltet möchte ich nun zu unserer Konkreten Lösung übergeben. Wie bereits gesagt sind wir anhand von Fiktiven Ausflugswünschen vorgegangen um unser Modell schrittweise aufzubauen.</a:t>
+            </a:r>
+          </a:p>
+          <a:p>
+            <a:endParaRPr lang="de-CH" dirty="0" smtClean="0"/>
+          </a:p>
+          <a:p>
+            <a:r>
+              <a:rPr lang="de-CH" dirty="0" smtClean="0"/>
               <a:t>Mira</a:t>
             </a:r>
             <a:endParaRPr lang="de-CH" dirty="0"/>
@@ -4478,7 +4490,7 @@
           <a:bodyPr/>
           <a:lstStyle/>
           <a:p>
-            <a:endParaRPr lang="de-CH"/>
+            <a:endParaRPr lang="de-CH" dirty="0"/>
           </a:p>
         </p:txBody>
       </p:sp>
@@ -4499,7 +4511,7 @@
           <a:p>
             <a:fld id="{37E44704-8E6D-4CF2-8CFA-A0F7BC751896}" type="slidenum">
               <a:rPr lang="de-CH" smtClean="0"/>
-              <a:t>39</a:t>
+              <a:t>40</a:t>
             </a:fld>
             <a:endParaRPr lang="de-CH"/>
           </a:p>
@@ -4508,7 +4520,7 @@
     </p:spTree>
     <p:extLst>
       <p:ext uri="{BB962C8B-B14F-4D97-AF65-F5344CB8AC3E}">
-        <p14:creationId xmlns:p14="http://schemas.microsoft.com/office/powerpoint/2010/main" val="741229016"/>
+        <p14:creationId xmlns:p14="http://schemas.microsoft.com/office/powerpoint/2010/main" val="3548993379"/>
       </p:ext>
     </p:extLst>
   </p:cSld>
@@ -4689,7 +4701,7 @@
           <a:bodyPr/>
           <a:lstStyle/>
           <a:p>
-            <a:endParaRPr lang="de-CH"/>
+            <a:endParaRPr lang="de-CH" dirty="0"/>
           </a:p>
         </p:txBody>
       </p:sp>
@@ -4710,7 +4722,7 @@
           <a:p>
             <a:fld id="{37E44704-8E6D-4CF2-8CFA-A0F7BC751896}" type="slidenum">
               <a:rPr lang="de-CH" smtClean="0"/>
-              <a:t>40</a:t>
+              <a:t>41</a:t>
             </a:fld>
             <a:endParaRPr lang="de-CH"/>
           </a:p>
@@ -4719,7 +4731,7 @@
     </p:spTree>
     <p:extLst>
       <p:ext uri="{BB962C8B-B14F-4D97-AF65-F5344CB8AC3E}">
-        <p14:creationId xmlns:p14="http://schemas.microsoft.com/office/powerpoint/2010/main" val="2121881747"/>
+        <p14:creationId xmlns:p14="http://schemas.microsoft.com/office/powerpoint/2010/main" val="373620453"/>
       </p:ext>
     </p:extLst>
   </p:cSld>
@@ -4773,7 +4785,7 @@
           <a:bodyPr/>
           <a:lstStyle/>
           <a:p>
-            <a:endParaRPr lang="de-CH"/>
+            <a:endParaRPr lang="de-CH" dirty="0"/>
           </a:p>
         </p:txBody>
       </p:sp>
@@ -4794,7 +4806,7 @@
           <a:p>
             <a:fld id="{37E44704-8E6D-4CF2-8CFA-A0F7BC751896}" type="slidenum">
               <a:rPr lang="de-CH" smtClean="0"/>
-              <a:t>41</a:t>
+              <a:t>42</a:t>
             </a:fld>
             <a:endParaRPr lang="de-CH"/>
           </a:p>
@@ -4803,7 +4815,7 @@
     </p:spTree>
     <p:extLst>
       <p:ext uri="{BB962C8B-B14F-4D97-AF65-F5344CB8AC3E}">
-        <p14:creationId xmlns:p14="http://schemas.microsoft.com/office/powerpoint/2010/main" val="3052602953"/>
+        <p14:creationId xmlns:p14="http://schemas.microsoft.com/office/powerpoint/2010/main" val="1577298041"/>
       </p:ext>
     </p:extLst>
   </p:cSld>
@@ -4857,7 +4869,11 @@
           <a:bodyPr/>
           <a:lstStyle/>
           <a:p>
-            <a:endParaRPr lang="de-CH"/>
+            <a:r>
+              <a:rPr lang="de-CH" dirty="0" smtClean="0"/>
+              <a:t>Mira</a:t>
+            </a:r>
+            <a:endParaRPr lang="de-CH" dirty="0"/>
           </a:p>
         </p:txBody>
       </p:sp>
@@ -4878,7 +4894,7 @@
           <a:p>
             <a:fld id="{37E44704-8E6D-4CF2-8CFA-A0F7BC751896}" type="slidenum">
               <a:rPr lang="de-CH" smtClean="0"/>
-              <a:t>42</a:t>
+              <a:t>43</a:t>
             </a:fld>
             <a:endParaRPr lang="de-CH"/>
           </a:p>
@@ -4887,7 +4903,7 @@
     </p:spTree>
     <p:extLst>
       <p:ext uri="{BB962C8B-B14F-4D97-AF65-F5344CB8AC3E}">
-        <p14:creationId xmlns:p14="http://schemas.microsoft.com/office/powerpoint/2010/main" val="807636204"/>
+        <p14:creationId xmlns:p14="http://schemas.microsoft.com/office/powerpoint/2010/main" val="2518667098"/>
       </p:ext>
     </p:extLst>
   </p:cSld>
@@ -4943,6 +4959,143 @@
           <a:p>
             <a:r>
               <a:rPr lang="de-CH" dirty="0" smtClean="0"/>
+              <a:t>Wie vorhin erwähnt, haben wir uns entschieden die theoretischen Grundlagen, welche wir erarbeiten mussten so abzubilden</a:t>
+            </a:r>
+            <a:r>
+              <a:rPr lang="de-CH" baseline="0" dirty="0" smtClean="0"/>
+              <a:t> (</a:t>
+            </a:r>
+            <a:r>
+              <a:rPr lang="de-CH" baseline="0" dirty="0" err="1" smtClean="0"/>
+              <a:t>niderzuschreiben</a:t>
+            </a:r>
+            <a:r>
+              <a:rPr lang="de-CH" baseline="0" dirty="0" smtClean="0"/>
+              <a:t>) das sie auch für andere gut nutzbar sind. Aus diesem Grund haben wir uns für ein Dokument mit </a:t>
+            </a:r>
+            <a:r>
+              <a:rPr lang="de-CH" baseline="0" dirty="0" err="1" smtClean="0"/>
+              <a:t>Tutorialcharakter</a:t>
+            </a:r>
+            <a:r>
+              <a:rPr lang="de-CH" baseline="0" dirty="0" smtClean="0"/>
+              <a:t> entschieden. Im Tutorial zeigen wir auf wie wir eine Problemdomäne systematisch modellieren und formalisieren um eine Ontologie zu erhalten, welche danach in Form einer semantischen Datenbank abgespeichert wird.</a:t>
+            </a:r>
+          </a:p>
+          <a:p>
+            <a:r>
+              <a:rPr lang="de-CH" baseline="0" dirty="0" smtClean="0"/>
+              <a:t>Dabei war der Schwierigste Teil, die </a:t>
+            </a:r>
+            <a:r>
+              <a:rPr lang="de-CH" baseline="0" dirty="0" err="1" smtClean="0"/>
+              <a:t>überlegung</a:t>
+            </a:r>
+            <a:r>
+              <a:rPr lang="de-CH" baseline="0" dirty="0" smtClean="0"/>
+              <a:t> wie wir den Aufbau vornehmen wollen. Ihr kennt sicher alle Tutorials, und wisst das dort das theoretische Hintergrundwissen eher spärliche vorhanden ist. Der Benutzer eines Tutorials will ja nur wissen, wie er vorgehen muss um sein Ziel zu erreichen.  Da dies aber kein normales Tutorial ist, sondern in erster Linie eine Bachelor-Thesis betrachten wir die Wissensmodellierung aus drei </a:t>
+            </a:r>
+            <a:r>
+              <a:rPr lang="de-CH" baseline="0" dirty="0" err="1" smtClean="0"/>
+              <a:t>Aspketen</a:t>
+            </a:r>
+            <a:r>
+              <a:rPr lang="de-CH" baseline="0" dirty="0" smtClean="0"/>
+              <a:t>. </a:t>
+            </a:r>
+          </a:p>
+          <a:p>
+            <a:r>
+              <a:rPr lang="de-CH" baseline="0" dirty="0" err="1" smtClean="0"/>
+              <a:t>Einerseitz</a:t>
+            </a:r>
+            <a:r>
+              <a:rPr lang="de-CH" baseline="0" dirty="0" smtClean="0"/>
+              <a:t> erhalt der Benutzer fundamentales </a:t>
+            </a:r>
+            <a:r>
+              <a:rPr lang="de-CH" baseline="0" dirty="0" err="1" smtClean="0"/>
+              <a:t>Hintegrundwissen</a:t>
+            </a:r>
+            <a:r>
+              <a:rPr lang="de-CH" baseline="0" dirty="0" smtClean="0"/>
+              <a:t> (welches aber für die </a:t>
+            </a:r>
+            <a:r>
+              <a:rPr lang="de-CH" baseline="0" dirty="0" err="1" smtClean="0"/>
+              <a:t>Umsetztung</a:t>
+            </a:r>
+            <a:r>
+              <a:rPr lang="de-CH" baseline="0" dirty="0" smtClean="0"/>
+              <a:t> nur bedingt </a:t>
+            </a:r>
+            <a:r>
+              <a:rPr lang="de-CH" baseline="0" dirty="0" err="1" smtClean="0"/>
+              <a:t>notwändigt</a:t>
+            </a:r>
+            <a:r>
+              <a:rPr lang="de-CH" baseline="0" dirty="0" smtClean="0"/>
+              <a:t> ist)</a:t>
+            </a:r>
+          </a:p>
+          <a:p>
+            <a:r>
+              <a:rPr lang="de-CH" baseline="0" dirty="0" smtClean="0"/>
+              <a:t>Anderseits </a:t>
+            </a:r>
+            <a:r>
+              <a:rPr lang="de-CH" baseline="0" dirty="0" err="1" smtClean="0"/>
+              <a:t>erklärhen</a:t>
+            </a:r>
+            <a:r>
+              <a:rPr lang="de-CH" baseline="0" dirty="0" smtClean="0"/>
+              <a:t> wir anhand eines praktischen Beispiels das konkret vorgehen. Dem </a:t>
+            </a:r>
+            <a:r>
+              <a:rPr lang="de-CH" baseline="0" dirty="0" err="1" smtClean="0"/>
+              <a:t>benutzer</a:t>
+            </a:r>
+            <a:r>
+              <a:rPr lang="de-CH" baseline="0" dirty="0" smtClean="0"/>
+              <a:t> ist es also möglich, diesem speziell </a:t>
+            </a:r>
+            <a:r>
+              <a:rPr lang="de-CH" baseline="0" dirty="0" err="1" smtClean="0"/>
+              <a:t>gekenzeichneten</a:t>
+            </a:r>
+            <a:r>
+              <a:rPr lang="de-CH" baseline="0" dirty="0" smtClean="0"/>
+              <a:t> Teil zu folgen, und ist so fähig eine semantische Datenbank aufzubauen und zu nutzen. Als dritten </a:t>
+            </a:r>
+            <a:r>
+              <a:rPr lang="de-CH" baseline="0" dirty="0" err="1" smtClean="0"/>
+              <a:t>aspekt</a:t>
+            </a:r>
+            <a:r>
+              <a:rPr lang="de-CH" baseline="0" dirty="0" smtClean="0"/>
+              <a:t> haben wir uns entschieden unsere praktischen Erfahrungen in Form von </a:t>
+            </a:r>
+            <a:r>
+              <a:rPr lang="de-CH" baseline="0" dirty="0" err="1" smtClean="0"/>
+              <a:t>Tips</a:t>
+            </a:r>
+            <a:r>
+              <a:rPr lang="de-CH" baseline="0" dirty="0" smtClean="0"/>
+              <a:t> </a:t>
+            </a:r>
+            <a:r>
+              <a:rPr lang="de-CH" baseline="0" dirty="0" err="1" smtClean="0"/>
+              <a:t>einfliesen</a:t>
+            </a:r>
+            <a:r>
+              <a:rPr lang="de-CH" baseline="0" dirty="0" smtClean="0"/>
+              <a:t> zu lassen.</a:t>
+            </a:r>
+            <a:endParaRPr lang="de-CH" dirty="0" smtClean="0"/>
+          </a:p>
+          <a:p>
+            <a:r>
+              <a:rPr lang="de-CH" dirty="0" smtClean="0"/>
               <a:t>Mira</a:t>
             </a:r>
             <a:endParaRPr lang="de-CH" dirty="0"/>
@@ -4966,7 +5119,7 @@
           <a:p>
             <a:fld id="{37E44704-8E6D-4CF2-8CFA-A0F7BC751896}" type="slidenum">
               <a:rPr lang="de-CH" smtClean="0"/>
-              <a:t>43</a:t>
+              <a:t>44</a:t>
             </a:fld>
             <a:endParaRPr lang="de-CH"/>
           </a:p>
@@ -4975,7 +5128,7 @@
     </p:spTree>
     <p:extLst>
       <p:ext uri="{BB962C8B-B14F-4D97-AF65-F5344CB8AC3E}">
-        <p14:creationId xmlns:p14="http://schemas.microsoft.com/office/powerpoint/2010/main" val="2518667098"/>
+        <p14:creationId xmlns:p14="http://schemas.microsoft.com/office/powerpoint/2010/main" val="2803157724"/>
       </p:ext>
     </p:extLst>
   </p:cSld>
@@ -5029,147 +5182,6 @@
           <a:bodyPr/>
           <a:lstStyle/>
           <a:p>
-            <a:r>
-              <a:rPr lang="de-CH" dirty="0" smtClean="0"/>
-              <a:t>Wie vorhin erwähnt, haben wir uns entschieden die theoretischen Grundlagen, welche wir erarbeiten mussten so abzubilden</a:t>
-            </a:r>
-            <a:r>
-              <a:rPr lang="de-CH" baseline="0" dirty="0" smtClean="0"/>
-              <a:t> (</a:t>
-            </a:r>
-            <a:r>
-              <a:rPr lang="de-CH" baseline="0" dirty="0" err="1" smtClean="0"/>
-              <a:t>niderzuschreiben</a:t>
-            </a:r>
-            <a:r>
-              <a:rPr lang="de-CH" baseline="0" dirty="0" smtClean="0"/>
-              <a:t>) das sie auch für andere gut nutzbar sind. Aus diesem Grund haben wir uns für ein Dokument mit </a:t>
-            </a:r>
-            <a:r>
-              <a:rPr lang="de-CH" baseline="0" dirty="0" err="1" smtClean="0"/>
-              <a:t>Tutorialcharakter</a:t>
-            </a:r>
-            <a:r>
-              <a:rPr lang="de-CH" baseline="0" dirty="0" smtClean="0"/>
-              <a:t> entschieden. Im Tutorial zeigen wir auf wie wir eine Problemdomäne systematisch modellieren und formalisieren um eine Ontologie zu erhalten, welche danach in Form einer semantischen Datenbank abgespeichert wird.</a:t>
-            </a:r>
-          </a:p>
-          <a:p>
-            <a:r>
-              <a:rPr lang="de-CH" baseline="0" dirty="0" smtClean="0"/>
-              <a:t>Dabei war der Schwierigste Teil, die </a:t>
-            </a:r>
-            <a:r>
-              <a:rPr lang="de-CH" baseline="0" dirty="0" err="1" smtClean="0"/>
-              <a:t>überlegung</a:t>
-            </a:r>
-            <a:r>
-              <a:rPr lang="de-CH" baseline="0" dirty="0" smtClean="0"/>
-              <a:t> wie wir den Aufbau vornehmen wollen. Ihr kennt sicher alle Tutorials, und wisst das dort das theoretische Hintergrundwissen eher spärliche vorhanden ist. Der Benutzer eines Tutorials will ja nur wissen, wie er vorgehen muss um sein Ziel zu erreichen.  Da dies aber kein normales Tutorial ist, sondern in erster Linie eine Bachelor-Thesis betrachten wir die Wissensmodellierung aus drei </a:t>
-            </a:r>
-            <a:r>
-              <a:rPr lang="de-CH" baseline="0" dirty="0" err="1" smtClean="0"/>
-              <a:t>Aspketen</a:t>
-            </a:r>
-            <a:r>
-              <a:rPr lang="de-CH" baseline="0" dirty="0" smtClean="0"/>
-              <a:t>. </a:t>
-            </a:r>
-          </a:p>
-          <a:p>
-            <a:r>
-              <a:rPr lang="de-CH" baseline="0" dirty="0" err="1" smtClean="0"/>
-              <a:t>Einerseitz</a:t>
-            </a:r>
-            <a:r>
-              <a:rPr lang="de-CH" baseline="0" dirty="0" smtClean="0"/>
-              <a:t> erhalt der Benutzer fundamentales </a:t>
-            </a:r>
-            <a:r>
-              <a:rPr lang="de-CH" baseline="0" dirty="0" err="1" smtClean="0"/>
-              <a:t>Hintegrundwissen</a:t>
-            </a:r>
-            <a:r>
-              <a:rPr lang="de-CH" baseline="0" dirty="0" smtClean="0"/>
-              <a:t> (welches aber für die </a:t>
-            </a:r>
-            <a:r>
-              <a:rPr lang="de-CH" baseline="0" dirty="0" err="1" smtClean="0"/>
-              <a:t>Umsetztung</a:t>
-            </a:r>
-            <a:r>
-              <a:rPr lang="de-CH" baseline="0" dirty="0" smtClean="0"/>
-              <a:t> nur bedingt </a:t>
-            </a:r>
-            <a:r>
-              <a:rPr lang="de-CH" baseline="0" dirty="0" err="1" smtClean="0"/>
-              <a:t>notwändigt</a:t>
-            </a:r>
-            <a:r>
-              <a:rPr lang="de-CH" baseline="0" dirty="0" smtClean="0"/>
-              <a:t> ist)</a:t>
-            </a:r>
-          </a:p>
-          <a:p>
-            <a:r>
-              <a:rPr lang="de-CH" baseline="0" dirty="0" smtClean="0"/>
-              <a:t>Anderseits </a:t>
-            </a:r>
-            <a:r>
-              <a:rPr lang="de-CH" baseline="0" dirty="0" err="1" smtClean="0"/>
-              <a:t>erklärhen</a:t>
-            </a:r>
-            <a:r>
-              <a:rPr lang="de-CH" baseline="0" dirty="0" smtClean="0"/>
-              <a:t> wir anhand eines praktischen Beispiels das konkret vorgehen. Dem </a:t>
-            </a:r>
-            <a:r>
-              <a:rPr lang="de-CH" baseline="0" dirty="0" err="1" smtClean="0"/>
-              <a:t>benutzer</a:t>
-            </a:r>
-            <a:r>
-              <a:rPr lang="de-CH" baseline="0" dirty="0" smtClean="0"/>
-              <a:t> ist es also möglich, diesem speziell </a:t>
-            </a:r>
-            <a:r>
-              <a:rPr lang="de-CH" baseline="0" dirty="0" err="1" smtClean="0"/>
-              <a:t>gekenzeichneten</a:t>
-            </a:r>
-            <a:r>
-              <a:rPr lang="de-CH" baseline="0" dirty="0" smtClean="0"/>
-              <a:t> Teil zu folgen, und ist so fähig eine semantische Datenbank aufzubauen und zu nutzen. Als dritten </a:t>
-            </a:r>
-            <a:r>
-              <a:rPr lang="de-CH" baseline="0" dirty="0" err="1" smtClean="0"/>
-              <a:t>aspekt</a:t>
-            </a:r>
-            <a:r>
-              <a:rPr lang="de-CH" baseline="0" dirty="0" smtClean="0"/>
-              <a:t> haben wir uns entschieden unsere praktischen Erfahrungen in Form von </a:t>
-            </a:r>
-            <a:r>
-              <a:rPr lang="de-CH" baseline="0" dirty="0" err="1" smtClean="0"/>
-              <a:t>Tips</a:t>
-            </a:r>
-            <a:r>
-              <a:rPr lang="de-CH" baseline="0" dirty="0" smtClean="0"/>
-              <a:t> </a:t>
-            </a:r>
-            <a:r>
-              <a:rPr lang="de-CH" baseline="0" dirty="0" err="1" smtClean="0"/>
-              <a:t>einfliesen</a:t>
-            </a:r>
-            <a:r>
-              <a:rPr lang="de-CH" baseline="0" dirty="0" smtClean="0"/>
-              <a:t> zu lassen.</a:t>
-            </a:r>
-            <a:endParaRPr lang="de-CH" dirty="0" smtClean="0"/>
-          </a:p>
-          <a:p>
-            <a:r>
-              <a:rPr lang="de-CH" dirty="0" smtClean="0"/>
-              <a:t>Mira</a:t>
-            </a:r>
             <a:endParaRPr lang="de-CH" dirty="0"/>
           </a:p>
         </p:txBody>
@@ -5191,7 +5203,7 @@
           <a:p>
             <a:fld id="{37E44704-8E6D-4CF2-8CFA-A0F7BC751896}" type="slidenum">
               <a:rPr lang="de-CH" smtClean="0"/>
-              <a:t>44</a:t>
+              <a:t>45</a:t>
             </a:fld>
             <a:endParaRPr lang="de-CH"/>
           </a:p>
@@ -5200,7 +5212,7 @@
     </p:spTree>
     <p:extLst>
       <p:ext uri="{BB962C8B-B14F-4D97-AF65-F5344CB8AC3E}">
-        <p14:creationId xmlns:p14="http://schemas.microsoft.com/office/powerpoint/2010/main" val="2803157724"/>
+        <p14:creationId xmlns:p14="http://schemas.microsoft.com/office/powerpoint/2010/main" val="885584103"/>
       </p:ext>
     </p:extLst>
   </p:cSld>
@@ -5254,6 +5266,10 @@
           <a:bodyPr/>
           <a:lstStyle/>
           <a:p>
+            <a:r>
+              <a:rPr lang="de-CH" dirty="0" smtClean="0"/>
+              <a:t>Sven</a:t>
+            </a:r>
             <a:endParaRPr lang="de-CH" dirty="0"/>
           </a:p>
         </p:txBody>
@@ -5275,7 +5291,7 @@
           <a:p>
             <a:fld id="{37E44704-8E6D-4CF2-8CFA-A0F7BC751896}" type="slidenum">
               <a:rPr lang="de-CH" smtClean="0"/>
-              <a:t>45</a:t>
+              <a:t>46</a:t>
             </a:fld>
             <a:endParaRPr lang="de-CH"/>
           </a:p>
@@ -5284,7 +5300,7 @@
     </p:spTree>
     <p:extLst>
       <p:ext uri="{BB962C8B-B14F-4D97-AF65-F5344CB8AC3E}">
-        <p14:creationId xmlns:p14="http://schemas.microsoft.com/office/powerpoint/2010/main" val="885584103"/>
+        <p14:creationId xmlns:p14="http://schemas.microsoft.com/office/powerpoint/2010/main" val="2507152903"/>
       </p:ext>
     </p:extLst>
   </p:cSld>
@@ -5363,7 +5379,7 @@
           <a:p>
             <a:fld id="{37E44704-8E6D-4CF2-8CFA-A0F7BC751896}" type="slidenum">
               <a:rPr lang="de-CH" smtClean="0"/>
-              <a:t>46</a:t>
+              <a:t>47</a:t>
             </a:fld>
             <a:endParaRPr lang="de-CH"/>
           </a:p>
@@ -5372,7 +5388,7 @@
     </p:spTree>
     <p:extLst>
       <p:ext uri="{BB962C8B-B14F-4D97-AF65-F5344CB8AC3E}">
-        <p14:creationId xmlns:p14="http://schemas.microsoft.com/office/powerpoint/2010/main" val="2507152903"/>
+        <p14:creationId xmlns:p14="http://schemas.microsoft.com/office/powerpoint/2010/main" val="4101123949"/>
       </p:ext>
     </p:extLst>
   </p:cSld>
@@ -5426,11 +5442,7 @@
           <a:bodyPr/>
           <a:lstStyle/>
           <a:p>
-            <a:r>
-              <a:rPr lang="de-CH" dirty="0" smtClean="0"/>
-              <a:t>Sven</a:t>
-            </a:r>
-            <a:endParaRPr lang="de-CH" dirty="0"/>
+            <a:endParaRPr lang="de-CH"/>
           </a:p>
         </p:txBody>
       </p:sp>
@@ -5451,7 +5463,7 @@
           <a:p>
             <a:fld id="{37E44704-8E6D-4CF2-8CFA-A0F7BC751896}" type="slidenum">
               <a:rPr lang="de-CH" smtClean="0"/>
-              <a:t>47</a:t>
+              <a:t>48</a:t>
             </a:fld>
             <a:endParaRPr lang="de-CH"/>
           </a:p>
@@ -5460,7 +5472,7 @@
     </p:spTree>
     <p:extLst>
       <p:ext uri="{BB962C8B-B14F-4D97-AF65-F5344CB8AC3E}">
-        <p14:creationId xmlns:p14="http://schemas.microsoft.com/office/powerpoint/2010/main" val="4101123949"/>
+        <p14:creationId xmlns:p14="http://schemas.microsoft.com/office/powerpoint/2010/main" val="3196807656"/>
       </p:ext>
     </p:extLst>
   </p:cSld>
@@ -5514,7 +5526,74 @@
           <a:bodyPr/>
           <a:lstStyle/>
           <a:p>
-            <a:endParaRPr lang="de-CH"/>
+            <a:r>
+              <a:rPr lang="de-CH" dirty="0" smtClean="0"/>
+              <a:t>Beschränkt Intelligent: nur mit</a:t>
+            </a:r>
+            <a:r>
+              <a:rPr lang="de-CH" baseline="0" dirty="0" smtClean="0"/>
+              <a:t> unseren Regeln  intelligent; Nur simple Inferenz vorgegeben</a:t>
+            </a:r>
+            <a:endParaRPr lang="de-CH" dirty="0" smtClean="0"/>
+          </a:p>
+          <a:p>
+            <a:r>
+              <a:rPr lang="de-CH" dirty="0" smtClean="0"/>
+              <a:t>Werkzeuge:</a:t>
+            </a:r>
+            <a:r>
+              <a:rPr lang="de-CH" baseline="0" dirty="0" smtClean="0"/>
+              <a:t> Fehler/ </a:t>
+            </a:r>
+            <a:r>
+              <a:rPr lang="de-CH" baseline="0" dirty="0" err="1" smtClean="0"/>
+              <a:t>Bastlig</a:t>
+            </a:r>
+            <a:r>
+              <a:rPr lang="de-CH" baseline="0" dirty="0" smtClean="0"/>
+              <a:t>  -&gt; nur mit Kombination von zwei Werkzeugen nutzbar</a:t>
+            </a:r>
+            <a:endParaRPr lang="de-CH" dirty="0" smtClean="0"/>
+          </a:p>
+          <a:p>
+            <a:endParaRPr lang="de-CH" dirty="0" smtClean="0"/>
+          </a:p>
+          <a:p>
+            <a:r>
+              <a:rPr lang="de-CH" dirty="0" smtClean="0"/>
+              <a:t>Sven</a:t>
+            </a:r>
+          </a:p>
+          <a:p>
+            <a:endParaRPr lang="de-CH" dirty="0" smtClean="0"/>
+          </a:p>
+          <a:p>
+            <a:r>
+              <a:rPr lang="de-CH" dirty="0" smtClean="0"/>
+              <a:t>-&gt; Fazit über unsere Arbeit ist auch noch wichtig.</a:t>
+            </a:r>
+          </a:p>
+          <a:p>
+            <a:endParaRPr lang="de-CH" dirty="0" smtClean="0"/>
+          </a:p>
+          <a:p>
+            <a:r>
+              <a:rPr lang="de-CH" dirty="0" smtClean="0"/>
+              <a:t>Was haben wir</a:t>
+            </a:r>
+            <a:r>
+              <a:rPr lang="de-CH" baseline="0" dirty="0" smtClean="0"/>
+              <a:t> für </a:t>
+            </a:r>
+            <a:r>
+              <a:rPr lang="de-CH" baseline="0" dirty="0" err="1" smtClean="0"/>
+              <a:t>erfahrungen</a:t>
+            </a:r>
+            <a:r>
+              <a:rPr lang="de-CH" baseline="0" dirty="0" smtClean="0"/>
+              <a:t> gemacht oder so</a:t>
+            </a:r>
+            <a:endParaRPr lang="de-CH" dirty="0"/>
           </a:p>
         </p:txBody>
       </p:sp>
@@ -5535,7 +5614,7 @@
           <a:p>
             <a:fld id="{37E44704-8E6D-4CF2-8CFA-A0F7BC751896}" type="slidenum">
               <a:rPr lang="de-CH" smtClean="0"/>
-              <a:t>48</a:t>
+              <a:t>49</a:t>
             </a:fld>
             <a:endParaRPr lang="de-CH"/>
           </a:p>
@@ -5544,7 +5623,7 @@
     </p:spTree>
     <p:extLst>
       <p:ext uri="{BB962C8B-B14F-4D97-AF65-F5344CB8AC3E}">
-        <p14:creationId xmlns:p14="http://schemas.microsoft.com/office/powerpoint/2010/main" val="3196807656"/>
+        <p14:creationId xmlns:p14="http://schemas.microsoft.com/office/powerpoint/2010/main" val="654691394"/>
       </p:ext>
     </p:extLst>
   </p:cSld>
@@ -5598,74 +5677,7 @@
           <a:bodyPr/>
           <a:lstStyle/>
           <a:p>
-            <a:r>
-              <a:rPr lang="de-CH" dirty="0" smtClean="0"/>
-              <a:t>Beschränkt Intelligent: nur mit</a:t>
-            </a:r>
-            <a:r>
-              <a:rPr lang="de-CH" baseline="0" dirty="0" smtClean="0"/>
-              <a:t> unseren Regeln  intelligent; Nur simple Inferenz vorgegeben</a:t>
-            </a:r>
-            <a:endParaRPr lang="de-CH" dirty="0" smtClean="0"/>
-          </a:p>
-          <a:p>
-            <a:r>
-              <a:rPr lang="de-CH" dirty="0" smtClean="0"/>
-              <a:t>Werkzeuge:</a:t>
-            </a:r>
-            <a:r>
-              <a:rPr lang="de-CH" baseline="0" dirty="0" smtClean="0"/>
-              <a:t> Fehler/ </a:t>
-            </a:r>
-            <a:r>
-              <a:rPr lang="de-CH" baseline="0" dirty="0" err="1" smtClean="0"/>
-              <a:t>Bastlig</a:t>
-            </a:r>
-            <a:r>
-              <a:rPr lang="de-CH" baseline="0" dirty="0" smtClean="0"/>
-              <a:t>  -&gt; nur mit Kombination von zwei Werkzeugen nutzbar</a:t>
-            </a:r>
-            <a:endParaRPr lang="de-CH" dirty="0" smtClean="0"/>
-          </a:p>
-          <a:p>
-            <a:endParaRPr lang="de-CH" dirty="0" smtClean="0"/>
-          </a:p>
-          <a:p>
-            <a:r>
-              <a:rPr lang="de-CH" dirty="0" smtClean="0"/>
-              <a:t>Sven</a:t>
-            </a:r>
-          </a:p>
-          <a:p>
-            <a:endParaRPr lang="de-CH" dirty="0" smtClean="0"/>
-          </a:p>
-          <a:p>
-            <a:r>
-              <a:rPr lang="de-CH" dirty="0" smtClean="0"/>
-              <a:t>-&gt; Fazit über unsere Arbeit ist auch noch wichtig.</a:t>
-            </a:r>
-          </a:p>
-          <a:p>
-            <a:endParaRPr lang="de-CH" dirty="0" smtClean="0"/>
-          </a:p>
-          <a:p>
-            <a:r>
-              <a:rPr lang="de-CH" dirty="0" smtClean="0"/>
-              <a:t>Was haben wir</a:t>
-            </a:r>
-            <a:r>
-              <a:rPr lang="de-CH" baseline="0" dirty="0" smtClean="0"/>
-              <a:t> für </a:t>
-            </a:r>
-            <a:r>
-              <a:rPr lang="de-CH" baseline="0" dirty="0" err="1" smtClean="0"/>
-              <a:t>erfahrungen</a:t>
-            </a:r>
-            <a:r>
-              <a:rPr lang="de-CH" baseline="0" dirty="0" smtClean="0"/>
-              <a:t> gemacht oder so</a:t>
-            </a:r>
-            <a:endParaRPr lang="de-CH" dirty="0"/>
+            <a:endParaRPr lang="de-CH"/>
           </a:p>
         </p:txBody>
       </p:sp>
@@ -5686,7 +5698,7 @@
           <a:p>
             <a:fld id="{37E44704-8E6D-4CF2-8CFA-A0F7BC751896}" type="slidenum">
               <a:rPr lang="de-CH" smtClean="0"/>
-              <a:t>49</a:t>
+              <a:t>50</a:t>
             </a:fld>
             <a:endParaRPr lang="de-CH"/>
           </a:p>
@@ -5695,7 +5707,7 @@
     </p:spTree>
     <p:extLst>
       <p:ext uri="{BB962C8B-B14F-4D97-AF65-F5344CB8AC3E}">
-        <p14:creationId xmlns:p14="http://schemas.microsoft.com/office/powerpoint/2010/main" val="654691394"/>
+        <p14:creationId xmlns:p14="http://schemas.microsoft.com/office/powerpoint/2010/main" val="630251798"/>
       </p:ext>
     </p:extLst>
   </p:cSld>
@@ -5889,7 +5901,74 @@
           <a:bodyPr/>
           <a:lstStyle/>
           <a:p>
-            <a:endParaRPr lang="de-CH"/>
+            <a:r>
+              <a:rPr lang="de-CH" dirty="0" smtClean="0"/>
+              <a:t>Beschränkt Intelligent: nur mit</a:t>
+            </a:r>
+            <a:r>
+              <a:rPr lang="de-CH" baseline="0" dirty="0" smtClean="0"/>
+              <a:t> unseren Regeln  intelligent; Nur simple Inferenz vorgegeben</a:t>
+            </a:r>
+            <a:endParaRPr lang="de-CH" dirty="0" smtClean="0"/>
+          </a:p>
+          <a:p>
+            <a:r>
+              <a:rPr lang="de-CH" dirty="0" smtClean="0"/>
+              <a:t>Werkzeuge:</a:t>
+            </a:r>
+            <a:r>
+              <a:rPr lang="de-CH" baseline="0" dirty="0" smtClean="0"/>
+              <a:t> Fehler/ </a:t>
+            </a:r>
+            <a:r>
+              <a:rPr lang="de-CH" baseline="0" dirty="0" err="1" smtClean="0"/>
+              <a:t>Bastlig</a:t>
+            </a:r>
+            <a:r>
+              <a:rPr lang="de-CH" baseline="0" dirty="0" smtClean="0"/>
+              <a:t>  -&gt; nur mit Kombination von zwei Werkzeugen nutzbar</a:t>
+            </a:r>
+            <a:endParaRPr lang="de-CH" dirty="0" smtClean="0"/>
+          </a:p>
+          <a:p>
+            <a:endParaRPr lang="de-CH" dirty="0" smtClean="0"/>
+          </a:p>
+          <a:p>
+            <a:r>
+              <a:rPr lang="de-CH" dirty="0" smtClean="0"/>
+              <a:t>Sven</a:t>
+            </a:r>
+          </a:p>
+          <a:p>
+            <a:endParaRPr lang="de-CH" dirty="0" smtClean="0"/>
+          </a:p>
+          <a:p>
+            <a:r>
+              <a:rPr lang="de-CH" dirty="0" smtClean="0"/>
+              <a:t>-&gt; Fazit über unsere Arbeit ist auch noch wichtig.</a:t>
+            </a:r>
+          </a:p>
+          <a:p>
+            <a:endParaRPr lang="de-CH" dirty="0" smtClean="0"/>
+          </a:p>
+          <a:p>
+            <a:r>
+              <a:rPr lang="de-CH" dirty="0" smtClean="0"/>
+              <a:t>Was haben wir</a:t>
+            </a:r>
+            <a:r>
+              <a:rPr lang="de-CH" baseline="0" dirty="0" smtClean="0"/>
+              <a:t> für </a:t>
+            </a:r>
+            <a:r>
+              <a:rPr lang="de-CH" baseline="0" dirty="0" err="1" smtClean="0"/>
+              <a:t>erfahrungen</a:t>
+            </a:r>
+            <a:r>
+              <a:rPr lang="de-CH" baseline="0" dirty="0" smtClean="0"/>
+              <a:t> gemacht oder so</a:t>
+            </a:r>
+            <a:endParaRPr lang="de-CH" dirty="0"/>
           </a:p>
         </p:txBody>
       </p:sp>
@@ -5910,7 +5989,7 @@
           <a:p>
             <a:fld id="{37E44704-8E6D-4CF2-8CFA-A0F7BC751896}" type="slidenum">
               <a:rPr lang="de-CH" smtClean="0"/>
-              <a:t>50</a:t>
+              <a:t>51</a:t>
             </a:fld>
             <a:endParaRPr lang="de-CH"/>
           </a:p>
@@ -5919,7 +5998,7 @@
     </p:spTree>
     <p:extLst>
       <p:ext uri="{BB962C8B-B14F-4D97-AF65-F5344CB8AC3E}">
-        <p14:creationId xmlns:p14="http://schemas.microsoft.com/office/powerpoint/2010/main" val="630251798"/>
+        <p14:creationId xmlns:p14="http://schemas.microsoft.com/office/powerpoint/2010/main" val="605599564"/>
       </p:ext>
     </p:extLst>
   </p:cSld>
@@ -5973,157 +6052,6 @@
           <a:bodyPr/>
           <a:lstStyle/>
           <a:p>
-            <a:r>
-              <a:rPr lang="de-CH" dirty="0" smtClean="0"/>
-              <a:t>Beschränkt Intelligent: nur mit</a:t>
-            </a:r>
-            <a:r>
-              <a:rPr lang="de-CH" baseline="0" dirty="0" smtClean="0"/>
-              <a:t> unseren Regeln  intelligent; Nur simple Inferenz vorgegeben</a:t>
-            </a:r>
-            <a:endParaRPr lang="de-CH" dirty="0" smtClean="0"/>
-          </a:p>
-          <a:p>
-            <a:r>
-              <a:rPr lang="de-CH" dirty="0" smtClean="0"/>
-              <a:t>Werkzeuge:</a:t>
-            </a:r>
-            <a:r>
-              <a:rPr lang="de-CH" baseline="0" dirty="0" smtClean="0"/>
-              <a:t> Fehler/ </a:t>
-            </a:r>
-            <a:r>
-              <a:rPr lang="de-CH" baseline="0" dirty="0" err="1" smtClean="0"/>
-              <a:t>Bastlig</a:t>
-            </a:r>
-            <a:r>
-              <a:rPr lang="de-CH" baseline="0" dirty="0" smtClean="0"/>
-              <a:t>  -&gt; nur mit Kombination von zwei Werkzeugen nutzbar</a:t>
-            </a:r>
-            <a:endParaRPr lang="de-CH" dirty="0" smtClean="0"/>
-          </a:p>
-          <a:p>
-            <a:endParaRPr lang="de-CH" dirty="0" smtClean="0"/>
-          </a:p>
-          <a:p>
-            <a:r>
-              <a:rPr lang="de-CH" dirty="0" smtClean="0"/>
-              <a:t>Sven</a:t>
-            </a:r>
-          </a:p>
-          <a:p>
-            <a:endParaRPr lang="de-CH" dirty="0" smtClean="0"/>
-          </a:p>
-          <a:p>
-            <a:r>
-              <a:rPr lang="de-CH" dirty="0" smtClean="0"/>
-              <a:t>-&gt; Fazit über unsere Arbeit ist auch noch wichtig.</a:t>
-            </a:r>
-          </a:p>
-          <a:p>
-            <a:endParaRPr lang="de-CH" dirty="0" smtClean="0"/>
-          </a:p>
-          <a:p>
-            <a:r>
-              <a:rPr lang="de-CH" dirty="0" smtClean="0"/>
-              <a:t>Was haben wir</a:t>
-            </a:r>
-            <a:r>
-              <a:rPr lang="de-CH" baseline="0" dirty="0" smtClean="0"/>
-              <a:t> für </a:t>
-            </a:r>
-            <a:r>
-              <a:rPr lang="de-CH" baseline="0" dirty="0" err="1" smtClean="0"/>
-              <a:t>erfahrungen</a:t>
-            </a:r>
-            <a:r>
-              <a:rPr lang="de-CH" baseline="0" dirty="0" smtClean="0"/>
-              <a:t> gemacht oder so</a:t>
-            </a:r>
-            <a:endParaRPr lang="de-CH" dirty="0"/>
-          </a:p>
-        </p:txBody>
-      </p:sp>
-      <p:sp>
-        <p:nvSpPr>
-          <p:cNvPr id="4" name="Foliennummernplatzhalter 3"/>
-          <p:cNvSpPr>
-            <a:spLocks noGrp="1"/>
-          </p:cNvSpPr>
-          <p:nvPr>
-            <p:ph type="sldNum" sz="quarter" idx="10"/>
-          </p:nvPr>
-        </p:nvSpPr>
-        <p:spPr/>
-        <p:txBody>
-          <a:bodyPr/>
-          <a:lstStyle/>
-          <a:p>
-            <a:fld id="{37E44704-8E6D-4CF2-8CFA-A0F7BC751896}" type="slidenum">
-              <a:rPr lang="de-CH" smtClean="0"/>
-              <a:t>51</a:t>
-            </a:fld>
-            <a:endParaRPr lang="de-CH"/>
-          </a:p>
-        </p:txBody>
-      </p:sp>
-    </p:spTree>
-    <p:extLst>
-      <p:ext uri="{BB962C8B-B14F-4D97-AF65-F5344CB8AC3E}">
-        <p14:creationId xmlns:p14="http://schemas.microsoft.com/office/powerpoint/2010/main" val="605599564"/>
-      </p:ext>
-    </p:extLst>
-  </p:cSld>
-  <p:clrMapOvr>
-    <a:masterClrMapping/>
-  </p:clrMapOvr>
-</p:notes>
-</file>
-
-<file path=ppt/notesSlides/notesSlide52.xml><?xml version="1.0" encoding="utf-8"?>
-<p:notes xmlns:a="http://schemas.openxmlformats.org/drawingml/2006/main" xmlns:r="http://schemas.openxmlformats.org/officeDocument/2006/relationships" xmlns:p="http://schemas.openxmlformats.org/presentationml/2006/main">
-  <p:cSld>
-    <p:spTree>
-      <p:nvGrpSpPr>
-        <p:cNvPr id="1" name=""/>
-        <p:cNvGrpSpPr/>
-        <p:nvPr/>
-      </p:nvGrpSpPr>
-      <p:grpSpPr>
-        <a:xfrm>
-          <a:off x="0" y="0"/>
-          <a:ext cx="0" cy="0"/>
-          <a:chOff x="0" y="0"/>
-          <a:chExt cx="0" cy="0"/>
-        </a:xfrm>
-      </p:grpSpPr>
-      <p:sp>
-        <p:nvSpPr>
-          <p:cNvPr id="2" name="Folienbildplatzhalter 1"/>
-          <p:cNvSpPr>
-            <a:spLocks noGrp="1" noRot="1" noChangeAspect="1"/>
-          </p:cNvSpPr>
-          <p:nvPr>
-            <p:ph type="sldImg"/>
-          </p:nvPr>
-        </p:nvSpPr>
-        <p:spPr/>
-      </p:sp>
-      <p:sp>
-        <p:nvSpPr>
-          <p:cNvPr id="3" name="Notizenplatzhalter 2"/>
-          <p:cNvSpPr>
-            <a:spLocks noGrp="1"/>
-          </p:cNvSpPr>
-          <p:nvPr>
-            <p:ph type="body" idx="1"/>
-          </p:nvPr>
-        </p:nvSpPr>
-        <p:spPr/>
-        <p:txBody>
-          <a:bodyPr/>
-          <a:lstStyle/>
-          <a:p>
             <a:endParaRPr lang="de-CH" dirty="0"/>
           </a:p>
         </p:txBody>
@@ -6164,7 +6092,7 @@
 </p:notes>
 </file>
 
-<file path=ppt/notesSlides/notesSlide53.xml><?xml version="1.0" encoding="utf-8"?>
+<file path=ppt/notesSlides/notesSlide52.xml><?xml version="1.0" encoding="utf-8"?>
 <p:notes xmlns:a="http://schemas.openxmlformats.org/drawingml/2006/main" xmlns:r="http://schemas.openxmlformats.org/officeDocument/2006/relationships" xmlns:p="http://schemas.openxmlformats.org/presentationml/2006/main">
   <p:cSld>
     <p:spTree>
@@ -6691,7 +6619,6 @@
               <a:rPr lang="de-CH" dirty="0"/>
               <a:t>Sven</a:t>
             </a:r>
-            <a:endParaRPr lang="de-CH" dirty="0"/>
           </a:p>
         </p:txBody>
       </p:sp>
@@ -17779,6 +17706,13 @@
               <a:rPr lang="de-CH" dirty="0" smtClean="0"/>
               <a:t>Prolog</a:t>
             </a:r>
+          </a:p>
+          <a:p>
+            <a:pPr lvl="1"/>
+            <a:r>
+              <a:rPr lang="de-CH" dirty="0" smtClean="0"/>
+              <a:t>Anhand von Beispielfragen</a:t>
+            </a:r>
             <a:endParaRPr lang="de-CH" dirty="0"/>
           </a:p>
           <a:p>
@@ -18614,6 +18548,29 @@
           <a:chExt cx="0" cy="0"/>
         </a:xfrm>
       </p:grpSpPr>
+      <p:sp>
+        <p:nvSpPr>
+          <p:cNvPr id="3" name="Titel 2"/>
+          <p:cNvSpPr>
+            <a:spLocks noGrp="1"/>
+          </p:cNvSpPr>
+          <p:nvPr>
+            <p:ph type="ctrTitle"/>
+          </p:nvPr>
+        </p:nvSpPr>
+        <p:spPr/>
+        <p:txBody>
+          <a:bodyPr/>
+          <a:lstStyle/>
+          <a:p>
+            <a:r>
+              <a:rPr lang="de-CH" dirty="0" smtClean="0"/>
+              <a:t>Lösung: Kategorisierung Ausflugsarten</a:t>
+            </a:r>
+            <a:endParaRPr lang="de-CH" dirty="0"/>
+          </a:p>
+        </p:txBody>
+      </p:sp>
       <p:pic>
         <p:nvPicPr>
           <p:cNvPr id="6" name="Inhaltsplatzhalter 5"/>
@@ -18625,48 +18582,28 @@
           </p:nvPr>
         </p:nvPicPr>
         <p:blipFill>
-          <a:blip r:embed="rId3"/>
+          <a:blip r:embed="rId2">
+            <a:extLst>
+              <a:ext uri="{28A0092B-C50C-407E-A947-70E740481C1C}">
+                <a14:useLocalDpi xmlns:a14="http://schemas.microsoft.com/office/drawing/2010/main" val="0"/>
+              </a:ext>
+            </a:extLst>
+          </a:blip>
           <a:stretch>
             <a:fillRect/>
           </a:stretch>
         </p:blipFill>
         <p:spPr>
           <a:xfrm>
-            <a:off x="527050" y="1470025"/>
-            <a:ext cx="7981950" cy="4619625"/>
+            <a:off x="542304" y="1439863"/>
+            <a:ext cx="7951443" cy="4679950"/>
           </a:xfrm>
-          <a:prstGeom prst="rect">
-            <a:avLst/>
-          </a:prstGeom>
         </p:spPr>
       </p:pic>
-      <p:sp>
-        <p:nvSpPr>
-          <p:cNvPr id="4" name="Titel 3"/>
-          <p:cNvSpPr>
-            <a:spLocks noGrp="1"/>
-          </p:cNvSpPr>
-          <p:nvPr>
-            <p:ph type="ctrTitle"/>
-          </p:nvPr>
-        </p:nvSpPr>
-        <p:spPr/>
-        <p:txBody>
-          <a:bodyPr/>
-          <a:lstStyle/>
-          <a:p>
-            <a:r>
-              <a:rPr lang="de-CH" dirty="0" smtClean="0"/>
-              <a:t>Ausflug</a:t>
-            </a:r>
-            <a:endParaRPr lang="de-CH" dirty="0"/>
-          </a:p>
-        </p:txBody>
-      </p:sp>
     </p:spTree>
     <p:extLst>
       <p:ext uri="{BB962C8B-B14F-4D97-AF65-F5344CB8AC3E}">
-        <p14:creationId xmlns:p14="http://schemas.microsoft.com/office/powerpoint/2010/main" val="4198974412"/>
+        <p14:creationId xmlns:p14="http://schemas.microsoft.com/office/powerpoint/2010/main" val="741046788"/>
       </p:ext>
     </p:extLst>
   </p:cSld>
@@ -18804,59 +18741,63 @@
           <a:chExt cx="0" cy="0"/>
         </a:xfrm>
       </p:grpSpPr>
+      <p:sp>
+        <p:nvSpPr>
+          <p:cNvPr id="3" name="Titel 2"/>
+          <p:cNvSpPr>
+            <a:spLocks noGrp="1"/>
+          </p:cNvSpPr>
+          <p:nvPr>
+            <p:ph type="ctrTitle"/>
+          </p:nvPr>
+        </p:nvSpPr>
+        <p:spPr/>
+        <p:txBody>
+          <a:bodyPr/>
+          <a:lstStyle/>
+          <a:p>
+            <a:r>
+              <a:rPr lang="de-CH" dirty="0" smtClean="0"/>
+              <a:t>Lösung: Besonderheiten Ausflug</a:t>
+            </a:r>
+            <a:endParaRPr lang="de-CH" dirty="0"/>
+          </a:p>
+        </p:txBody>
+      </p:sp>
       <p:pic>
         <p:nvPicPr>
-          <p:cNvPr id="4" name="Inhaltsplatzhalter 3"/>
+          <p:cNvPr id="9" name="Grafik 8"/>
           <p:cNvPicPr>
-            <a:picLocks noGrp="1" noChangeAspect="1"/>
+            <a:picLocks noChangeAspect="1"/>
           </p:cNvPicPr>
-          <p:nvPr>
-            <p:ph sz="half" idx="1"/>
-          </p:nvPr>
+          <p:nvPr/>
         </p:nvPicPr>
         <p:blipFill>
-          <a:blip r:embed="rId3"/>
+          <a:blip r:embed="rId3">
+            <a:extLst>
+              <a:ext uri="{28A0092B-C50C-407E-A947-70E740481C1C}">
+                <a14:useLocalDpi xmlns:a14="http://schemas.microsoft.com/office/drawing/2010/main" val="0"/>
+              </a:ext>
+            </a:extLst>
+          </a:blip>
           <a:stretch>
             <a:fillRect/>
           </a:stretch>
         </p:blipFill>
         <p:spPr>
           <a:xfrm>
-            <a:off x="1992275" y="1307127"/>
-            <a:ext cx="5051500" cy="4679950"/>
+            <a:off x="695325" y="900112"/>
+            <a:ext cx="7753350" cy="5057775"/>
           </a:xfrm>
           <a:prstGeom prst="rect">
             <a:avLst/>
           </a:prstGeom>
         </p:spPr>
       </p:pic>
-      <p:sp>
-        <p:nvSpPr>
-          <p:cNvPr id="3" name="Titel 2"/>
-          <p:cNvSpPr>
-            <a:spLocks noGrp="1"/>
-          </p:cNvSpPr>
-          <p:nvPr>
-            <p:ph type="ctrTitle"/>
-          </p:nvPr>
-        </p:nvSpPr>
-        <p:spPr/>
-        <p:txBody>
-          <a:bodyPr/>
-          <a:lstStyle/>
-          <a:p>
-            <a:r>
-              <a:rPr lang="de-CH" dirty="0" smtClean="0"/>
-              <a:t>Ausflug (Regeln)</a:t>
-            </a:r>
-            <a:endParaRPr lang="de-CH" dirty="0"/>
-          </a:p>
-        </p:txBody>
-      </p:sp>
     </p:spTree>
     <p:extLst>
       <p:ext uri="{BB962C8B-B14F-4D97-AF65-F5344CB8AC3E}">
-        <p14:creationId xmlns:p14="http://schemas.microsoft.com/office/powerpoint/2010/main" val="597747225"/>
+        <p14:creationId xmlns:p14="http://schemas.microsoft.com/office/powerpoint/2010/main" val="1142121891"/>
       </p:ext>
     </p:extLst>
   </p:cSld>
@@ -18892,7 +18833,7 @@
       </p:grpSpPr>
       <p:sp>
         <p:nvSpPr>
-          <p:cNvPr id="4" name="Titel 3"/>
+          <p:cNvPr id="3" name="Titel 2"/>
           <p:cNvSpPr>
             <a:spLocks noGrp="1"/>
           </p:cNvSpPr>
@@ -18907,32 +18848,64 @@
           <a:p>
             <a:r>
               <a:rPr lang="de-CH" dirty="0" smtClean="0"/>
-              <a:t>Restaurant</a:t>
-            </a:r>
+              <a:t>Lösung: Besonderheiten Restaurant</a:t>
+            </a:r>
+            <a:endParaRPr lang="de-CH" dirty="0"/>
+          </a:p>
+        </p:txBody>
+      </p:sp>
+      <p:sp>
+        <p:nvSpPr>
+          <p:cNvPr id="6" name="Inhaltsplatzhalter 5"/>
+          <p:cNvSpPr>
+            <a:spLocks noGrp="1"/>
+          </p:cNvSpPr>
+          <p:nvPr>
+            <p:ph sz="half" idx="1"/>
+          </p:nvPr>
+        </p:nvSpPr>
+        <p:spPr/>
+        <p:txBody>
+          <a:bodyPr/>
+          <a:lstStyle/>
+          <a:p>
+            <a:pPr marL="0" indent="0">
+              <a:buNone/>
+            </a:pPr>
+            <a:endParaRPr lang="de-CH" dirty="0" smtClean="0"/>
+          </a:p>
+          <a:p>
+            <a:pPr marL="0" indent="0">
+              <a:buNone/>
+            </a:pPr>
             <a:endParaRPr lang="de-CH" dirty="0"/>
           </a:p>
         </p:txBody>
       </p:sp>
       <p:pic>
         <p:nvPicPr>
-          <p:cNvPr id="3" name="Inhaltsplatzhalter 2"/>
+          <p:cNvPr id="2" name="Grafik 1"/>
           <p:cNvPicPr>
-            <a:picLocks noGrp="1" noChangeAspect="1"/>
+            <a:picLocks noChangeAspect="1"/>
           </p:cNvPicPr>
-          <p:nvPr>
-            <p:ph sz="half" idx="1"/>
-          </p:nvPr>
+          <p:nvPr/>
         </p:nvPicPr>
         <p:blipFill>
-          <a:blip r:embed="rId3"/>
+          <a:blip r:embed="rId3">
+            <a:extLst>
+              <a:ext uri="{28A0092B-C50C-407E-A947-70E740481C1C}">
+                <a14:useLocalDpi xmlns:a14="http://schemas.microsoft.com/office/drawing/2010/main" val="0"/>
+              </a:ext>
+            </a:extLst>
+          </a:blip>
           <a:stretch>
             <a:fillRect/>
           </a:stretch>
         </p:blipFill>
         <p:spPr>
           <a:xfrm>
-            <a:off x="468000" y="1439863"/>
-            <a:ext cx="7940429" cy="4679950"/>
+            <a:off x="970338" y="1439999"/>
+            <a:ext cx="6305550" cy="2114550"/>
           </a:xfrm>
           <a:prstGeom prst="rect">
             <a:avLst/>
@@ -18942,7 +18915,7 @@
     </p:spTree>
     <p:extLst>
       <p:ext uri="{BB962C8B-B14F-4D97-AF65-F5344CB8AC3E}">
-        <p14:creationId xmlns:p14="http://schemas.microsoft.com/office/powerpoint/2010/main" val="4193092140"/>
+        <p14:creationId xmlns:p14="http://schemas.microsoft.com/office/powerpoint/2010/main" val="3052110836"/>
       </p:ext>
     </p:extLst>
   </p:cSld>
@@ -18976,9 +18949,32 @@
           <a:chExt cx="0" cy="0"/>
         </a:xfrm>
       </p:grpSpPr>
+      <p:sp>
+        <p:nvSpPr>
+          <p:cNvPr id="3" name="Titel 2"/>
+          <p:cNvSpPr>
+            <a:spLocks noGrp="1"/>
+          </p:cNvSpPr>
+          <p:nvPr>
+            <p:ph type="ctrTitle"/>
+          </p:nvPr>
+        </p:nvSpPr>
+        <p:spPr/>
+        <p:txBody>
+          <a:bodyPr/>
+          <a:lstStyle/>
+          <a:p>
+            <a:r>
+              <a:rPr lang="de-CH" dirty="0" smtClean="0"/>
+              <a:t>Lösung: Region/Ort Problematik</a:t>
+            </a:r>
+            <a:endParaRPr lang="de-CH" dirty="0"/>
+          </a:p>
+        </p:txBody>
+      </p:sp>
       <p:pic>
         <p:nvPicPr>
-          <p:cNvPr id="4" name="Inhaltsplatzhalter 3"/>
+          <p:cNvPr id="5" name="Inhaltsplatzhalter 4"/>
           <p:cNvPicPr>
             <a:picLocks noGrp="1" noChangeAspect="1"/>
           </p:cNvPicPr>
@@ -18987,48 +18983,28 @@
           </p:nvPr>
         </p:nvPicPr>
         <p:blipFill>
-          <a:blip r:embed="rId3"/>
+          <a:blip r:embed="rId3">
+            <a:extLst>
+              <a:ext uri="{28A0092B-C50C-407E-A947-70E740481C1C}">
+                <a14:useLocalDpi xmlns:a14="http://schemas.microsoft.com/office/drawing/2010/main" val="0"/>
+              </a:ext>
+            </a:extLst>
+          </a:blip>
           <a:stretch>
             <a:fillRect/>
           </a:stretch>
         </p:blipFill>
         <p:spPr>
           <a:xfrm>
-            <a:off x="2288545" y="1203889"/>
-            <a:ext cx="4458910" cy="4679950"/>
+            <a:off x="1642242" y="1439863"/>
+            <a:ext cx="5751566" cy="4679950"/>
           </a:xfrm>
-          <a:prstGeom prst="rect">
-            <a:avLst/>
-          </a:prstGeom>
         </p:spPr>
       </p:pic>
-      <p:sp>
-        <p:nvSpPr>
-          <p:cNvPr id="3" name="Titel 2"/>
-          <p:cNvSpPr>
-            <a:spLocks noGrp="1"/>
-          </p:cNvSpPr>
-          <p:nvPr>
-            <p:ph type="ctrTitle"/>
-          </p:nvPr>
-        </p:nvSpPr>
-        <p:spPr/>
-        <p:txBody>
-          <a:bodyPr/>
-          <a:lstStyle/>
-          <a:p>
-            <a:r>
-              <a:rPr lang="de-CH" dirty="0" smtClean="0"/>
-              <a:t>Restaurant (Regeln)</a:t>
-            </a:r>
-            <a:endParaRPr lang="de-CH" dirty="0"/>
-          </a:p>
-        </p:txBody>
-      </p:sp>
     </p:spTree>
     <p:extLst>
       <p:ext uri="{BB962C8B-B14F-4D97-AF65-F5344CB8AC3E}">
-        <p14:creationId xmlns:p14="http://schemas.microsoft.com/office/powerpoint/2010/main" val="3975878693"/>
+        <p14:creationId xmlns:p14="http://schemas.microsoft.com/office/powerpoint/2010/main" val="4187877949"/>
       </p:ext>
     </p:extLst>
   </p:cSld>
